--- a/FGAN-I-298-R1.pptx
+++ b/FGAN-I-298-R1.pptx
@@ -11,7 +11,7 @@
     <p:sldId id="257" r:id="rId2"/>
     <p:sldId id="258" r:id="rId3"/>
     <p:sldId id="259" r:id="rId4"/>
-    <p:sldId id="260" r:id="rId5"/>
+    <p:sldId id="273" r:id="rId5"/>
     <p:sldId id="261" r:id="rId6"/>
     <p:sldId id="262" r:id="rId7"/>
     <p:sldId id="263" r:id="rId8"/>
@@ -25941,7 +25941,7 @@
         </p:nvSpPr>
         <p:spPr>
           <a:xfrm>
-            <a:off x="321547" y="1741047"/>
+            <a:off x="321547" y="1590326"/>
             <a:ext cx="8481227" cy="1147200"/>
           </a:xfrm>
         </p:spPr>
@@ -25950,296 +25950,297 @@
           <a:lstStyle/>
           <a:p>
             <a:r>
-              <a:rPr lang="en-US" sz="4500" dirty="0" smtClean="0"/>
+              <a:rPr lang="en-US" sz="4500" dirty="0"/>
               <a:t>Build-a-thon: A Journey from </a:t>
             </a:r>
             <a:r>
-              <a:rPr lang="en-US" sz="4500" dirty="0" err="1" smtClean="0"/>
+              <a:rPr lang="en-US" sz="4500" dirty="0" err="1"/>
               <a:t>Usecase</a:t>
             </a:r>
             <a:r>
-              <a:rPr lang="en-US" sz="4500" dirty="0" smtClean="0"/>
+              <a:rPr lang="en-US" sz="4500" dirty="0"/>
               <a:t>, Graph to Deployment</a:t>
             </a:r>
-            <a:endParaRPr lang="en-US" sz="4500" dirty="0"/>
           </a:p>
         </p:txBody>
       </p:sp>
       <p:sp>
         <p:nvSpPr>
-          <p:cNvPr id="1048747" name="Google Shape;1884;p28"/>
+          <p:cNvPr id="2" name="TextBox 1">
+            <a:extLst>
+              <a:ext uri="{FF2B5EF4-FFF2-40B4-BE49-F238E27FC236}">
+                <a16:creationId xmlns="" xmlns:a16="http://schemas.microsoft.com/office/drawing/2014/main" id="{C8E6AB42-2F9E-32FF-B0A5-2148098D518C}"/>
+              </a:ext>
+            </a:extLst>
+          </p:cNvPr>
           <p:cNvSpPr txBox="1"/>
           <p:nvPr/>
         </p:nvSpPr>
         <p:spPr>
           <a:xfrm>
-            <a:off x="2060741" y="4137595"/>
-            <a:ext cx="4188913" cy="674018"/>
+            <a:off x="576424" y="3007612"/>
+            <a:ext cx="7946272" cy="1877437"/>
           </a:xfrm>
           <a:prstGeom prst="rect">
             <a:avLst/>
           </a:prstGeom>
           <a:noFill/>
-          <a:ln>
-            <a:noFill/>
-          </a:ln>
         </p:spPr>
         <p:txBody>
-          <a:bodyPr spcFirstLastPara="1" wrap="square" lIns="0" tIns="0" rIns="0" bIns="0" anchor="t" anchorCtr="0">
-            <a:noAutofit/>
+          <a:bodyPr wrap="square" rtlCol="0">
+            <a:spAutoFit/>
           </a:bodyPr>
-          <a:lstStyle>
-            <a:defPPr marR="0" lvl="0" algn="l" rtl="0">
-              <a:lnSpc>
-                <a:spcPct val="100000"/>
-              </a:lnSpc>
-              <a:spcBef>
-                <a:spcPts val="0"/>
-              </a:spcBef>
-              <a:spcAft>
-                <a:spcPts val="0"/>
-              </a:spcAft>
-            </a:defPPr>
-            <a:lvl1pPr marL="457200" marR="0" lvl="0" indent="-330200" algn="ctr" rtl="0">
-              <a:lnSpc>
-                <a:spcPct val="100000"/>
-              </a:lnSpc>
-              <a:spcBef>
-                <a:spcPts val="0"/>
-              </a:spcBef>
-              <a:spcAft>
-                <a:spcPts val="0"/>
-              </a:spcAft>
-              <a:buClr>
-                <a:schemeClr val="dk1"/>
-              </a:buClr>
-              <a:buSzPts val="1600"/>
-              <a:buFont typeface="Roboto"/>
-              <a:buNone/>
-              <a:defRPr sz="2000" b="0" i="0" u="none" strike="noStrike" cap="none">
+          <a:lstStyle/>
+          <a:p>
+            <a:r>
+              <a:rPr lang="en-US" sz="1800" dirty="0">
                 <a:solidFill>
-                  <a:schemeClr val="dk1"/>
+                  <a:schemeClr val="tx1"/>
                 </a:solidFill>
-                <a:latin typeface="Roboto"/>
-                <a:ea typeface="Roboto"/>
-                <a:cs typeface="Roboto"/>
-                <a:sym typeface="Roboto"/>
-              </a:defRPr>
-            </a:lvl1pPr>
-            <a:lvl2pPr marL="914400" marR="0" lvl="1" indent="-330200" algn="ctr" rtl="0">
-              <a:lnSpc>
-                <a:spcPct val="100000"/>
-              </a:lnSpc>
-              <a:spcBef>
-                <a:spcPts val="0"/>
-              </a:spcBef>
-              <a:spcAft>
-                <a:spcPts val="0"/>
-              </a:spcAft>
-              <a:buClr>
-                <a:schemeClr val="dk1"/>
-              </a:buClr>
-              <a:buSzPts val="1600"/>
-              <a:buFont typeface="Roboto"/>
-              <a:buNone/>
-              <a:defRPr sz="1600" b="0" i="0" u="none" strike="noStrike" cap="none">
+              </a:rPr>
+              <a:t>Presented by: Tech Rangers Team</a:t>
+            </a:r>
+          </a:p>
+          <a:p>
+            <a:endParaRPr lang="en-US" dirty="0" smtClean="0">
+              <a:solidFill>
+                <a:schemeClr val="tx1"/>
+              </a:solidFill>
+            </a:endParaRPr>
+          </a:p>
+          <a:p>
+            <a:r>
+              <a:rPr lang="en-US" dirty="0" smtClean="0">
                 <a:solidFill>
-                  <a:schemeClr val="dk1"/>
+                  <a:schemeClr val="tx1"/>
                 </a:solidFill>
-                <a:latin typeface="Roboto"/>
-                <a:ea typeface="Roboto"/>
-                <a:cs typeface="Roboto"/>
-                <a:sym typeface="Roboto"/>
-              </a:defRPr>
-            </a:lvl2pPr>
-            <a:lvl3pPr marL="1371600" marR="0" lvl="2" indent="-330200" algn="ctr" rtl="0">
-              <a:lnSpc>
-                <a:spcPct val="100000"/>
-              </a:lnSpc>
-              <a:spcBef>
-                <a:spcPts val="0"/>
-              </a:spcBef>
-              <a:spcAft>
-                <a:spcPts val="0"/>
-              </a:spcAft>
-              <a:buClr>
-                <a:schemeClr val="dk1"/>
-              </a:buClr>
-              <a:buSzPts val="1600"/>
-              <a:buFont typeface="Roboto"/>
-              <a:buNone/>
-              <a:defRPr sz="1600" b="0" i="0" u="none" strike="noStrike" cap="none">
+              </a:rPr>
+              <a:t>Emmanuel </a:t>
+            </a:r>
+            <a:r>
+              <a:rPr lang="en-US" dirty="0" err="1">
                 <a:solidFill>
-                  <a:schemeClr val="dk1"/>
+                  <a:schemeClr val="tx1"/>
                 </a:solidFill>
-                <a:latin typeface="Roboto"/>
-                <a:ea typeface="Roboto"/>
-                <a:cs typeface="Roboto"/>
-                <a:sym typeface="Roboto"/>
-              </a:defRPr>
-            </a:lvl3pPr>
-            <a:lvl4pPr marL="1828800" marR="0" lvl="3" indent="-330200" algn="ctr" rtl="0">
-              <a:lnSpc>
-                <a:spcPct val="100000"/>
-              </a:lnSpc>
-              <a:spcBef>
-                <a:spcPts val="0"/>
-              </a:spcBef>
-              <a:spcAft>
-                <a:spcPts val="0"/>
-              </a:spcAft>
-              <a:buClr>
-                <a:schemeClr val="dk1"/>
-              </a:buClr>
-              <a:buSzPts val="1600"/>
-              <a:buFont typeface="Roboto"/>
-              <a:buNone/>
-              <a:defRPr sz="1600" b="0" i="0" u="none" strike="noStrike" cap="none">
+              </a:rPr>
+              <a:t>Othniel</a:t>
+            </a:r>
+            <a:r>
+              <a:rPr lang="en-US" dirty="0">
                 <a:solidFill>
-                  <a:schemeClr val="dk1"/>
+                  <a:schemeClr val="tx1"/>
                 </a:solidFill>
-                <a:latin typeface="Roboto"/>
-                <a:ea typeface="Roboto"/>
-                <a:cs typeface="Roboto"/>
-                <a:sym typeface="Roboto"/>
-              </a:defRPr>
-            </a:lvl4pPr>
-            <a:lvl5pPr marL="2286000" marR="0" lvl="4" indent="-330200" algn="ctr" rtl="0">
-              <a:lnSpc>
-                <a:spcPct val="100000"/>
-              </a:lnSpc>
-              <a:spcBef>
-                <a:spcPts val="0"/>
-              </a:spcBef>
-              <a:spcAft>
-                <a:spcPts val="0"/>
-              </a:spcAft>
-              <a:buClr>
-                <a:schemeClr val="dk1"/>
-              </a:buClr>
-              <a:buSzPts val="1600"/>
-              <a:buFont typeface="Roboto"/>
-              <a:buNone/>
-              <a:defRPr sz="1600" b="0" i="0" u="none" strike="noStrike" cap="none">
+              </a:rPr>
+              <a:t> </a:t>
+            </a:r>
+            <a:r>
+              <a:rPr lang="en-US" dirty="0" err="1" smtClean="0">
                 <a:solidFill>
-                  <a:schemeClr val="dk1"/>
+                  <a:schemeClr val="tx1"/>
                 </a:solidFill>
-                <a:latin typeface="Roboto"/>
-                <a:ea typeface="Roboto"/>
-                <a:cs typeface="Roboto"/>
-                <a:sym typeface="Roboto"/>
-              </a:defRPr>
-            </a:lvl5pPr>
-            <a:lvl6pPr marL="2743200" marR="0" lvl="5" indent="-330200" algn="ctr" rtl="0">
-              <a:lnSpc>
-                <a:spcPct val="100000"/>
-              </a:lnSpc>
-              <a:spcBef>
-                <a:spcPts val="0"/>
-              </a:spcBef>
-              <a:spcAft>
-                <a:spcPts val="0"/>
-              </a:spcAft>
-              <a:buClr>
-                <a:schemeClr val="dk1"/>
-              </a:buClr>
-              <a:buSzPts val="1600"/>
-              <a:buFont typeface="Roboto"/>
-              <a:buNone/>
-              <a:defRPr sz="1600" b="0" i="0" u="none" strike="noStrike" cap="none">
+              </a:rPr>
+              <a:t>Eggah</a:t>
+            </a:r>
+            <a:r>
+              <a:rPr lang="en-US" dirty="0" smtClean="0">
                 <a:solidFill>
-                  <a:schemeClr val="dk1"/>
+                  <a:schemeClr val="tx1"/>
                 </a:solidFill>
-                <a:latin typeface="Roboto"/>
-                <a:ea typeface="Roboto"/>
-                <a:cs typeface="Roboto"/>
-                <a:sym typeface="Roboto"/>
-              </a:defRPr>
-            </a:lvl6pPr>
-            <a:lvl7pPr marL="3200400" marR="0" lvl="6" indent="-330200" algn="ctr" rtl="0">
-              <a:lnSpc>
-                <a:spcPct val="100000"/>
-              </a:lnSpc>
-              <a:spcBef>
-                <a:spcPts val="0"/>
-              </a:spcBef>
-              <a:spcAft>
-                <a:spcPts val="0"/>
-              </a:spcAft>
-              <a:buClr>
-                <a:schemeClr val="dk1"/>
-              </a:buClr>
-              <a:buSzPts val="1600"/>
-              <a:buFont typeface="Roboto"/>
-              <a:buNone/>
-              <a:defRPr sz="1600" b="0" i="0" u="none" strike="noStrike" cap="none">
+              </a:rPr>
+              <a:t>	</a:t>
+            </a:r>
+            <a:r>
+              <a:rPr lang="en-US" dirty="0" smtClean="0">
                 <a:solidFill>
-                  <a:schemeClr val="dk1"/>
+                  <a:schemeClr val="tx1"/>
                 </a:solidFill>
-                <a:latin typeface="Roboto"/>
-                <a:ea typeface="Roboto"/>
-                <a:cs typeface="Roboto"/>
-                <a:sym typeface="Roboto"/>
-              </a:defRPr>
-            </a:lvl7pPr>
-            <a:lvl8pPr marL="3657600" marR="0" lvl="7" indent="-330200" algn="ctr" rtl="0">
-              <a:lnSpc>
-                <a:spcPct val="100000"/>
-              </a:lnSpc>
-              <a:spcBef>
-                <a:spcPts val="0"/>
-              </a:spcBef>
-              <a:spcAft>
-                <a:spcPts val="0"/>
-              </a:spcAft>
-              <a:buClr>
-                <a:schemeClr val="dk1"/>
-              </a:buClr>
-              <a:buSzPts val="1600"/>
-              <a:buFont typeface="Roboto"/>
-              <a:buNone/>
-              <a:defRPr sz="1600" b="0" i="0" u="none" strike="noStrike" cap="none">
+                <a:hlinkClick r:id="rId3"/>
+              </a:rPr>
+              <a:t>emmanueleggah@gmail.com</a:t>
+            </a:r>
+            <a:endParaRPr lang="en-US" dirty="0" smtClean="0">
+              <a:solidFill>
+                <a:schemeClr val="tx1"/>
+              </a:solidFill>
+            </a:endParaRPr>
+          </a:p>
+          <a:p>
+            <a:r>
+              <a:rPr lang="en-US" dirty="0" smtClean="0">
                 <a:solidFill>
-                  <a:schemeClr val="dk1"/>
+                  <a:schemeClr val="tx1"/>
                 </a:solidFill>
-                <a:latin typeface="Roboto"/>
-                <a:ea typeface="Roboto"/>
-                <a:cs typeface="Roboto"/>
-                <a:sym typeface="Roboto"/>
-              </a:defRPr>
-            </a:lvl8pPr>
-            <a:lvl9pPr marL="4114800" marR="0" lvl="8" indent="-330200" algn="ctr" rtl="0">
-              <a:lnSpc>
-                <a:spcPct val="100000"/>
-              </a:lnSpc>
-              <a:spcBef>
-                <a:spcPts val="0"/>
-              </a:spcBef>
-              <a:spcAft>
-                <a:spcPts val="0"/>
-              </a:spcAft>
-              <a:buClr>
-                <a:schemeClr val="dk1"/>
-              </a:buClr>
-              <a:buSzPts val="1600"/>
-              <a:buFont typeface="Roboto"/>
-              <a:buNone/>
-              <a:defRPr sz="1600" b="0" i="0" u="none" strike="noStrike" cap="none">
+              </a:rPr>
+              <a:t>Ebeledike </a:t>
+            </a:r>
+            <a:r>
+              <a:rPr lang="en-US" dirty="0">
                 <a:solidFill>
-                  <a:schemeClr val="dk1"/>
+                  <a:schemeClr val="tx1"/>
                 </a:solidFill>
-                <a:latin typeface="Roboto"/>
-                <a:ea typeface="Roboto"/>
-                <a:cs typeface="Roboto"/>
-                <a:sym typeface="Roboto"/>
-              </a:defRPr>
-            </a:lvl9pPr>
-          </a:lstStyle>
+              </a:rPr>
+              <a:t>Frank </a:t>
+            </a:r>
+            <a:r>
+              <a:rPr lang="en-US" dirty="0" err="1" smtClean="0">
+                <a:solidFill>
+                  <a:schemeClr val="tx1"/>
+                </a:solidFill>
+              </a:rPr>
+              <a:t>Chukwubuikem</a:t>
+            </a:r>
+            <a:r>
+              <a:rPr lang="en-US" dirty="0">
+                <a:solidFill>
+                  <a:schemeClr val="tx1"/>
+                </a:solidFill>
+              </a:rPr>
+              <a:t>	</a:t>
+            </a:r>
+            <a:r>
+              <a:rPr lang="en-GB" dirty="0" smtClean="0">
+                <a:solidFill>
+                  <a:schemeClr val="tx1"/>
+                </a:solidFill>
+              </a:rPr>
+              <a:t>frankcebeledike@gmail.com</a:t>
+            </a:r>
+            <a:endParaRPr lang="en-US" dirty="0">
+              <a:solidFill>
+                <a:schemeClr val="tx1"/>
+              </a:solidFill>
+            </a:endParaRPr>
+          </a:p>
           <a:p>
-            <a:pPr marL="0" indent="0"/>
             <a:r>
-              <a:rPr lang="en-US" sz="1800" dirty="0" smtClean="0"/>
-              <a:t>Presented by: Tech Rangers Team</a:t>
+              <a:rPr lang="en-US" dirty="0">
+                <a:solidFill>
+                  <a:schemeClr val="tx1"/>
+                </a:solidFill>
+              </a:rPr>
+              <a:t>Abel </a:t>
+            </a:r>
+            <a:r>
+              <a:rPr lang="en-US" dirty="0" err="1">
+                <a:solidFill>
+                  <a:schemeClr val="tx1"/>
+                </a:solidFill>
+              </a:rPr>
+              <a:t>Oche</a:t>
+            </a:r>
+            <a:r>
+              <a:rPr lang="en-US" dirty="0">
+                <a:solidFill>
+                  <a:schemeClr val="tx1"/>
+                </a:solidFill>
+              </a:rPr>
+              <a:t> </a:t>
+            </a:r>
+            <a:r>
+              <a:rPr lang="en-US" dirty="0" smtClean="0">
+                <a:solidFill>
+                  <a:schemeClr val="tx1"/>
+                </a:solidFill>
+              </a:rPr>
+              <a:t>Moses		</a:t>
+            </a:r>
+            <a:r>
+              <a:rPr lang="en-US" dirty="0" smtClean="0">
+                <a:solidFill>
+                  <a:schemeClr val="tx1"/>
+                </a:solidFill>
+                <a:hlinkClick r:id="rId4"/>
+              </a:rPr>
+              <a:t>oche.m1902995@st.futminna.edu</a:t>
+            </a:r>
+            <a:endParaRPr lang="en-US" dirty="0" smtClean="0">
+              <a:solidFill>
+                <a:schemeClr val="tx1"/>
+              </a:solidFill>
+            </a:endParaRPr>
+          </a:p>
+          <a:p>
+            <a:r>
+              <a:rPr lang="en-US" u="sng" dirty="0" smtClean="0">
+                <a:solidFill>
+                  <a:schemeClr val="tx1"/>
+                </a:solidFill>
+              </a:rPr>
+              <a:t>Mentors</a:t>
+            </a:r>
+          </a:p>
+          <a:p>
+            <a:r>
+              <a:rPr lang="en-US" dirty="0">
+                <a:solidFill>
+                  <a:schemeClr val="tx1"/>
+                </a:solidFill>
+              </a:rPr>
+              <a:t>Professor </a:t>
+            </a:r>
+            <a:r>
+              <a:rPr lang="en-US" dirty="0">
+                <a:solidFill>
+                  <a:schemeClr val="tx1"/>
+                </a:solidFill>
+              </a:rPr>
+              <a:t>James </a:t>
+            </a:r>
+            <a:r>
+              <a:rPr lang="en-US" dirty="0" err="1" smtClean="0">
+                <a:solidFill>
+                  <a:schemeClr val="tx1"/>
+                </a:solidFill>
+              </a:rPr>
+              <a:t>Agajo</a:t>
+            </a:r>
+            <a:r>
+              <a:rPr lang="en-US" dirty="0" smtClean="0">
+                <a:solidFill>
+                  <a:schemeClr val="tx1"/>
+                </a:solidFill>
+              </a:rPr>
+              <a:t>	</a:t>
+            </a:r>
+            <a:r>
+              <a:rPr lang="en-US" dirty="0" smtClean="0">
+                <a:solidFill>
+                  <a:schemeClr val="tx1"/>
+                </a:solidFill>
+                <a:hlinkClick r:id="rId5"/>
+              </a:rPr>
+              <a:t>james.agajo@futminna.edu.ng</a:t>
+            </a:r>
+            <a:endParaRPr lang="en-US" dirty="0" smtClean="0">
+              <a:solidFill>
+                <a:schemeClr val="tx1"/>
+              </a:solidFill>
+            </a:endParaRPr>
+          </a:p>
+          <a:p>
+            <a:r>
+              <a:rPr lang="en-US" dirty="0" smtClean="0">
+                <a:solidFill>
+                  <a:schemeClr val="tx1"/>
+                </a:solidFill>
+              </a:rPr>
+              <a:t>Mr. Blessed </a:t>
+            </a:r>
+            <a:r>
+              <a:rPr lang="en-US" dirty="0" err="1" smtClean="0">
+                <a:solidFill>
+                  <a:schemeClr val="tx1"/>
+                </a:solidFill>
+              </a:rPr>
+              <a:t>Guda</a:t>
+            </a:r>
+            <a:r>
+              <a:rPr lang="en-US" dirty="0" smtClean="0">
+                <a:solidFill>
+                  <a:schemeClr val="tx1"/>
+                </a:solidFill>
+              </a:rPr>
+              <a:t>		gudablessed@gmail.com</a:t>
             </a:r>
           </a:p>
         </p:txBody>
@@ -26249,6 +26250,13 @@
   <p:clrMapOvr>
     <a:masterClrMapping/>
   </p:clrMapOvr>
+  <p:timing>
+    <p:tnLst>
+      <p:par>
+        <p:cTn id="1" dur="indefinite" restart="never" nodeType="tmRoot"/>
+      </p:par>
+    </p:tnLst>
+  </p:timing>
 </p:sld>
 </file>
 
@@ -26542,14 +26550,13 @@
           <a:p>
             <a:pPr algn="ctr"/>
             <a:r>
-              <a:rPr lang="en-US" sz="2400" dirty="0" err="1" smtClean="0"/>
+              <a:rPr lang="en-US" sz="2400" dirty="0" err="1"/>
               <a:t>PoC</a:t>
             </a:r>
             <a:r>
-              <a:rPr lang="en-US" sz="2400" dirty="0" smtClean="0"/>
+              <a:rPr lang="en-US" sz="2400" dirty="0"/>
               <a:t> Results</a:t>
             </a:r>
-            <a:endParaRPr lang="en-US" sz="2400" dirty="0"/>
           </a:p>
         </p:txBody>
       </p:sp>
@@ -26830,7 +26837,7 @@
               </a:lnSpc>
             </a:pPr>
             <a:r>
-              <a:rPr lang="en-US" dirty="0" smtClean="0"/>
+              <a:rPr lang="en-US" dirty="0"/>
               <a:t>Querying graph database</a:t>
             </a:r>
           </a:p>
@@ -26865,6 +26872,13 @@
   <p:clrMapOvr>
     <a:masterClrMapping/>
   </p:clrMapOvr>
+  <p:timing>
+    <p:tnLst>
+      <p:par>
+        <p:cTn id="1" dur="indefinite" restart="never" nodeType="tmRoot"/>
+      </p:par>
+    </p:tnLst>
+  </p:timing>
 </p:sld>
 </file>
 
@@ -27158,14 +27172,13 @@
           <a:p>
             <a:pPr algn="ctr"/>
             <a:r>
-              <a:rPr lang="en-US" sz="2400" dirty="0" err="1" smtClean="0"/>
+              <a:rPr lang="en-US" sz="2400" dirty="0" err="1"/>
               <a:t>PoC</a:t>
             </a:r>
             <a:r>
-              <a:rPr lang="en-US" sz="2400" dirty="0" smtClean="0"/>
+              <a:rPr lang="en-US" sz="2400" dirty="0"/>
               <a:t> Results</a:t>
             </a:r>
-            <a:endParaRPr lang="en-US" sz="2400" dirty="0"/>
           </a:p>
         </p:txBody>
       </p:sp>
@@ -27446,7 +27459,7 @@
               </a:lnSpc>
             </a:pPr>
             <a:r>
-              <a:rPr lang="en-US" dirty="0" smtClean="0"/>
+              <a:rPr lang="en-US" dirty="0"/>
               <a:t>Graph Conversion  to Service template</a:t>
             </a:r>
           </a:p>
@@ -27781,14 +27794,13 @@
           <a:p>
             <a:pPr algn="ctr"/>
             <a:r>
-              <a:rPr lang="en-US" sz="2400" dirty="0" err="1" smtClean="0"/>
+              <a:rPr lang="en-US" sz="2400" dirty="0" err="1"/>
               <a:t>PoC</a:t>
             </a:r>
             <a:r>
-              <a:rPr lang="en-US" sz="2400" dirty="0" smtClean="0"/>
+              <a:rPr lang="en-US" sz="2400" dirty="0"/>
               <a:t> Results</a:t>
             </a:r>
-            <a:endParaRPr lang="en-US" sz="2400" dirty="0"/>
           </a:p>
         </p:txBody>
       </p:sp>
@@ -28069,14 +28081,14 @@
               </a:lnSpc>
             </a:pPr>
             <a:r>
-              <a:rPr lang="en-US" dirty="0" smtClean="0"/>
+              <a:rPr lang="en-US" dirty="0"/>
               <a:t>Validation of Service Template using  </a:t>
             </a:r>
             <a:r>
-              <a:rPr lang="en-US" dirty="0" err="1" smtClean="0"/>
+              <a:rPr lang="en-US" dirty="0" err="1"/>
               <a:t>XOpera</a:t>
             </a:r>
-            <a:endParaRPr lang="en-US" dirty="0" smtClean="0"/>
+            <a:endParaRPr lang="en-US" dirty="0"/>
           </a:p>
         </p:txBody>
       </p:sp>
@@ -28381,14 +28393,14 @@
               </a:lnSpc>
             </a:pPr>
             <a:r>
-              <a:rPr lang="en-US" dirty="0" smtClean="0"/>
+              <a:rPr lang="en-US" dirty="0"/>
               <a:t>on </a:t>
             </a:r>
             <a:r>
-              <a:rPr lang="en-US" dirty="0" err="1" smtClean="0"/>
+              <a:rPr lang="en-US" dirty="0" err="1"/>
               <a:t>Colab</a:t>
             </a:r>
-            <a:endParaRPr lang="en-US" dirty="0" smtClean="0"/>
+            <a:endParaRPr lang="en-US" dirty="0"/>
           </a:p>
         </p:txBody>
       </p:sp>
@@ -28669,15 +28681,15 @@
               </a:lnSpc>
             </a:pPr>
             <a:r>
-              <a:rPr lang="en-US" dirty="0" smtClean="0"/>
+              <a:rPr lang="en-US" dirty="0"/>
               <a:t>on </a:t>
             </a:r>
             <a:r>
-              <a:rPr lang="en-US" dirty="0" err="1" smtClean="0"/>
+              <a:rPr lang="en-US" dirty="0" err="1"/>
               <a:t>Pydroid</a:t>
             </a:r>
             <a:r>
-              <a:rPr lang="en-US" dirty="0" smtClean="0"/>
+              <a:rPr lang="en-US" dirty="0"/>
               <a:t> (Android)</a:t>
             </a:r>
           </a:p>
@@ -28793,7 +28805,7 @@
               <a:buNone/>
             </a:pPr>
             <a:r>
-              <a:rPr lang="en" dirty="0" smtClean="0"/>
+              <a:rPr lang="en" dirty="0"/>
               <a:t>THANK YOU</a:t>
             </a:r>
             <a:endParaRPr dirty="0"/>
@@ -28867,7 +28879,7 @@
               <a:buNone/>
             </a:pPr>
             <a:r>
-              <a:rPr lang="en" dirty="0" smtClean="0">
+              <a:rPr lang="en" dirty="0">
                 <a:latin typeface="Bebas Neue"/>
                 <a:ea typeface="Bebas Neue"/>
                 <a:cs typeface="Bebas Neue"/>
@@ -28923,7 +28935,7 @@
               <a:buAutoNum type="arabicPeriod"/>
             </a:pPr>
             <a:r>
-              <a:rPr lang="en-US" sz="2400" dirty="0" smtClean="0">
+              <a:rPr lang="en-US" sz="2400" dirty="0">
                 <a:sym typeface="Roboto"/>
               </a:rPr>
               <a:t>The problem</a:t>
@@ -28944,7 +28956,7 @@
               <a:buAutoNum type="arabicPeriod"/>
             </a:pPr>
             <a:r>
-              <a:rPr lang="en-US" sz="2400" dirty="0" smtClean="0"/>
+              <a:rPr lang="en-US" sz="2400" dirty="0"/>
               <a:t>The existing solutions</a:t>
             </a:r>
           </a:p>
@@ -28963,7 +28975,7 @@
               <a:buAutoNum type="arabicPeriod"/>
             </a:pPr>
             <a:r>
-              <a:rPr lang="en-US" sz="2400" dirty="0" smtClean="0">
+              <a:rPr lang="en-US" sz="2400" dirty="0">
                 <a:sym typeface="Roboto"/>
               </a:rPr>
               <a:t>Our solutions</a:t>
@@ -28984,7 +28996,7 @@
               <a:buAutoNum type="arabicPeriod"/>
             </a:pPr>
             <a:r>
-              <a:rPr lang="en-US" sz="2400" dirty="0" smtClean="0"/>
+              <a:rPr lang="en-US" sz="2400" dirty="0"/>
               <a:t>Advantages of our solution</a:t>
             </a:r>
           </a:p>
@@ -28997,8 +29009,16 @@
               <a:buAutoNum type="arabicPeriod"/>
             </a:pPr>
             <a:r>
+              <a:rPr lang="en-US" sz="2400" dirty="0"/>
+              <a:t>G</a:t>
+            </a:r>
+            <a:r>
               <a:rPr lang="en-US" sz="2400" dirty="0" smtClean="0"/>
-              <a:t>Recommendation for future works</a:t>
+              <a:t>aps </a:t>
+            </a:r>
+            <a:r>
+              <a:rPr lang="en-US" sz="2400" dirty="0"/>
+              <a:t>for current work</a:t>
             </a:r>
           </a:p>
           <a:p>
@@ -29016,7 +29036,7 @@
               <a:buAutoNum type="arabicPeriod"/>
             </a:pPr>
             <a:r>
-              <a:rPr lang="en-US" sz="2400" dirty="0" smtClean="0">
+              <a:rPr lang="en-US" sz="2400" dirty="0">
                 <a:sym typeface="Roboto"/>
               </a:rPr>
               <a:t>Demo points and results</a:t>
@@ -29032,6 +29052,13 @@
   <p:clrMapOvr>
     <a:masterClrMapping/>
   </p:clrMapOvr>
+  <p:timing>
+    <p:tnLst>
+      <p:par>
+        <p:cTn id="1" dur="indefinite" restart="never" nodeType="tmRoot"/>
+      </p:par>
+    </p:tnLst>
+  </p:timing>
 </p:sld>
 </file>
 
@@ -29325,10 +29352,9 @@
           <a:p>
             <a:pPr algn="ctr"/>
             <a:r>
-              <a:rPr lang="en-US" sz="2400" dirty="0" smtClean="0"/>
+              <a:rPr lang="en-US" sz="2400" dirty="0"/>
               <a:t>THE PROBLEM</a:t>
             </a:r>
-            <a:endParaRPr lang="en-US" sz="2400" dirty="0"/>
           </a:p>
         </p:txBody>
       </p:sp>
@@ -29340,8 +29366,8 @@
         </p:nvSpPr>
         <p:spPr>
           <a:xfrm>
-            <a:off x="720000" y="1242425"/>
-            <a:ext cx="7704000" cy="3326700"/>
+            <a:off x="360772" y="1184103"/>
+            <a:ext cx="4211228" cy="3326700"/>
           </a:xfrm>
           <a:prstGeom prst="rect">
             <a:avLst/>
@@ -29611,7 +29637,7 @@
               <a:buAutoNum type="arabicPeriod"/>
             </a:pPr>
             <a:r>
-              <a:rPr lang="en-US" sz="2400" dirty="0" smtClean="0"/>
+              <a:rPr lang="en-US" sz="1600" dirty="0"/>
               <a:t>High complexity of network management in 5G</a:t>
             </a:r>
           </a:p>
@@ -29624,16 +29650,26 @@
               <a:buAutoNum type="arabicPeriod"/>
             </a:pPr>
             <a:r>
-              <a:rPr lang="en-US" sz="2400" dirty="0" smtClean="0"/>
-              <a:t>Lack of </a:t>
+              <a:rPr lang="en-US" sz="1600" dirty="0"/>
+              <a:t>Lack of domain knowledge base related to the </a:t>
             </a:r>
             <a:r>
-              <a:rPr lang="en-US" sz="2400" dirty="0" err="1" smtClean="0"/>
+              <a:rPr lang="en-US" sz="1600" dirty="0" err="1"/>
               <a:t>usecase</a:t>
             </a:r>
+            <a:endParaRPr lang="en-US" sz="1600" dirty="0"/>
+          </a:p>
+          <a:p>
+            <a:pPr marL="342900" indent="-342900" algn="l">
+              <a:lnSpc>
+                <a:spcPct val="150000"/>
+              </a:lnSpc>
+              <a:buFont typeface="+mj-lt"/>
+              <a:buAutoNum type="arabicPeriod"/>
+            </a:pPr>
             <a:r>
-              <a:rPr lang="en-US" sz="2400" dirty="0" smtClean="0"/>
-              <a:t> related to knowledge base domain</a:t>
+              <a:rPr lang="en-US" sz="1600" dirty="0"/>
+              <a:t>deploying components in the network is error prone and complex</a:t>
             </a:r>
           </a:p>
           <a:p>
@@ -29645,30 +29681,54 @@
               <a:buAutoNum type="arabicPeriod"/>
             </a:pPr>
             <a:r>
-              <a:rPr lang="en-US" sz="2400" dirty="0" smtClean="0"/>
-              <a:t>Manual task for creating deployable components from actors in use cases</a:t>
-            </a:r>
-          </a:p>
-          <a:p>
-            <a:pPr marL="342900" indent="-342900" algn="l">
-              <a:lnSpc>
-                <a:spcPct val="150000"/>
-              </a:lnSpc>
-              <a:buFont typeface="+mj-lt"/>
-              <a:buAutoNum type="arabicPeriod"/>
-            </a:pPr>
-            <a:r>
-              <a:rPr lang="en-US" sz="2400" dirty="0" smtClean="0"/>
+              <a:rPr lang="en-US" sz="1600" dirty="0"/>
               <a:t>Need resource heavy development environment</a:t>
             </a:r>
           </a:p>
         </p:txBody>
       </p:sp>
+      <p:pic>
+        <p:nvPicPr>
+          <p:cNvPr id="3" name="Picture 2"/>
+          <p:cNvPicPr>
+            <a:picLocks noChangeAspect="1"/>
+          </p:cNvPicPr>
+          <p:nvPr/>
+        </p:nvPicPr>
+        <p:blipFill>
+          <a:blip r:embed="rId3">
+            <a:extLst>
+              <a:ext uri="{28A0092B-C50C-407E-A947-70E740481C1C}">
+                <a14:useLocalDpi xmlns:a14="http://schemas.microsoft.com/office/drawing/2010/main" val="0"/>
+              </a:ext>
+            </a:extLst>
+          </a:blip>
+          <a:stretch>
+            <a:fillRect/>
+          </a:stretch>
+        </p:blipFill>
+        <p:spPr>
+          <a:xfrm>
+            <a:off x="5163671" y="1252750"/>
+            <a:ext cx="3731639" cy="3179221"/>
+          </a:xfrm>
+          <a:prstGeom prst="rect">
+            <a:avLst/>
+          </a:prstGeom>
+        </p:spPr>
+      </p:pic>
     </p:spTree>
   </p:cSld>
   <p:clrMapOvr>
     <a:masterClrMapping/>
   </p:clrMapOvr>
+  <p:timing>
+    <p:tnLst>
+      <p:par>
+        <p:cTn id="1" dur="indefinite" restart="never" nodeType="tmRoot"/>
+      </p:par>
+    </p:tnLst>
+  </p:timing>
 </p:sld>
 </file>
 
@@ -29962,10 +30022,9 @@
           <a:p>
             <a:pPr algn="ctr"/>
             <a:r>
-              <a:rPr lang="en-US" sz="2400" dirty="0" smtClean="0"/>
+              <a:rPr lang="en-US" sz="2400" dirty="0"/>
               <a:t>THE EXISTING SOLUTION</a:t>
             </a:r>
-            <a:endParaRPr lang="en-US" sz="2400" dirty="0"/>
           </a:p>
         </p:txBody>
       </p:sp>
@@ -29977,8 +30036,8 @@
         </p:nvSpPr>
         <p:spPr>
           <a:xfrm>
-            <a:off x="720000" y="1242425"/>
-            <a:ext cx="7704000" cy="3326700"/>
+            <a:off x="251914" y="1184103"/>
+            <a:ext cx="4744629" cy="3326700"/>
           </a:xfrm>
           <a:prstGeom prst="rect">
             <a:avLst/>
@@ -30248,7 +30307,7 @@
               <a:buAutoNum type="arabicPeriod"/>
             </a:pPr>
             <a:r>
-              <a:rPr lang="en-US" sz="2400" dirty="0" smtClean="0"/>
+              <a:rPr lang="en-US" sz="2400" dirty="0"/>
               <a:t>Manual steps for creating and deploying the components</a:t>
             </a:r>
           </a:p>
@@ -30261,25 +30320,80 @@
               <a:buAutoNum type="arabicPeriod"/>
             </a:pPr>
             <a:r>
-              <a:rPr lang="en-US" sz="2400" dirty="0" smtClean="0"/>
-              <a:t>Use </a:t>
+              <a:rPr lang="en-US" sz="2400" dirty="0"/>
+              <a:t>Domain knowledge is captured in the code.</a:t>
+            </a:r>
+          </a:p>
+          <a:p>
+            <a:pPr marL="342900" indent="-342900" algn="l">
+              <a:lnSpc>
+                <a:spcPct val="150000"/>
+              </a:lnSpc>
+              <a:buFont typeface="+mj-lt"/>
+              <a:buAutoNum type="arabicPeriod"/>
+            </a:pPr>
+            <a:r>
+              <a:rPr lang="en-US" sz="2400" dirty="0"/>
+              <a:t>Use Python/</a:t>
             </a:r>
             <a:r>
-              <a:rPr lang="en-US" sz="2400" dirty="0" err="1" smtClean="0"/>
+              <a:rPr lang="en-US" sz="2400" dirty="0" err="1"/>
               <a:t>Jupyter</a:t>
             </a:r>
             <a:r>
-              <a:rPr lang="en-US" sz="2400" dirty="0" smtClean="0"/>
+              <a:rPr lang="en-US" sz="2400" dirty="0"/>
               <a:t> lab with hosted database from a workstation</a:t>
             </a:r>
           </a:p>
         </p:txBody>
       </p:sp>
+      <p:pic>
+        <p:nvPicPr>
+          <p:cNvPr id="3" name="Picture 2"/>
+          <p:cNvPicPr>
+            <a:picLocks noChangeAspect="1"/>
+          </p:cNvPicPr>
+          <p:nvPr/>
+        </p:nvPicPr>
+        <p:blipFill>
+          <a:blip r:embed="rId3">
+            <a:extLst>
+              <a:ext uri="{28A0092B-C50C-407E-A947-70E740481C1C}">
+                <a14:useLocalDpi xmlns:a14="http://schemas.microsoft.com/office/drawing/2010/main" val="0"/>
+              </a:ext>
+            </a:extLst>
+          </a:blip>
+          <a:stretch>
+            <a:fillRect/>
+          </a:stretch>
+        </p:blipFill>
+        <p:spPr>
+          <a:xfrm>
+            <a:off x="4996543" y="1509700"/>
+            <a:ext cx="3687859" cy="2675506"/>
+          </a:xfrm>
+          <a:prstGeom prst="rect">
+            <a:avLst/>
+          </a:prstGeom>
+        </p:spPr>
+      </p:pic>
     </p:spTree>
+    <p:extLst>
+      <p:ext uri="{BB962C8B-B14F-4D97-AF65-F5344CB8AC3E}">
+        <p14:creationId xmlns:p14="http://schemas.microsoft.com/office/powerpoint/2010/main" val="2948788525"/>
+      </p:ext>
+    </p:extLst>
   </p:cSld>
   <p:clrMapOvr>
     <a:masterClrMapping/>
   </p:clrMapOvr>
+  <p:timing>
+    <p:tnLst>
+      <p:par>
+        <p:cTn id="1" dur="indefinite" restart="never" nodeType="tmRoot"/>
+      </p:par>
+    </p:tnLst>
+  </p:timing>
 </p:sld>
 </file>
 
@@ -30573,8 +30687,12 @@
           <a:p>
             <a:pPr algn="ctr"/>
             <a:r>
+              <a:rPr lang="en-US" sz="2400" dirty="0"/>
+              <a:t>OUR </a:t>
+            </a:r>
+            <a:r>
               <a:rPr lang="en-US" sz="2400" dirty="0" smtClean="0"/>
-              <a:t>OUR SOLUTION</a:t>
+              <a:t>SOLUTION</a:t>
             </a:r>
             <a:endParaRPr lang="en-US" sz="2400" dirty="0"/>
           </a:p>
@@ -30588,8 +30706,8 @@
         </p:nvSpPr>
         <p:spPr>
           <a:xfrm>
-            <a:off x="291403" y="1071603"/>
-            <a:ext cx="8551146" cy="3711412"/>
+            <a:off x="171660" y="1317171"/>
+            <a:ext cx="4922854" cy="3727101"/>
           </a:xfrm>
           <a:prstGeom prst="rect">
             <a:avLst/>
@@ -30858,7 +30976,7 @@
               <a:buAutoNum type="arabicPeriod"/>
             </a:pPr>
             <a:r>
-              <a:rPr lang="en-US" dirty="0" smtClean="0"/>
+              <a:rPr lang="en-US" sz="1400" dirty="0"/>
               <a:t>We built a closed loop system that is able to manage storage, querying, export, import and optimization of knowledge, including structured or unstructured data from various components within and outside the system.</a:t>
             </a:r>
           </a:p>
@@ -30869,7 +30987,7 @@
               </a:lnSpc>
               <a:buAutoNum type="arabicPeriod"/>
             </a:pPr>
-            <a:endParaRPr lang="en-US" dirty="0"/>
+            <a:endParaRPr lang="en-US" sz="1400" dirty="0"/>
           </a:p>
           <a:p>
             <a:pPr indent="-457200" algn="l">
@@ -30880,22 +30998,54 @@
               <a:buAutoNum type="arabicPeriod"/>
             </a:pPr>
             <a:r>
-              <a:rPr lang="en-US" dirty="0"/>
-              <a:t>We automated the process of translating, parsing and validating an abstracted use case description, with high level objectives of a controller (use case) into a controller description</a:t>
+              <a:rPr lang="en-US" sz="1400" dirty="0"/>
+              <a:t>We automated the process of translating, parsing and validating an abstracted use case description, with high level objectives of a controller (use case) into a controller description.</a:t>
             </a:r>
-            <a:r>
-              <a:rPr lang="en-US" dirty="0" smtClean="0"/>
-              <a:t>.</a:t>
-            </a:r>
-            <a:endParaRPr lang="en-US" dirty="0"/>
           </a:p>
         </p:txBody>
       </p:sp>
+      <p:pic>
+        <p:nvPicPr>
+          <p:cNvPr id="7" name="Picture 6"/>
+          <p:cNvPicPr>
+            <a:picLocks noChangeAspect="1"/>
+          </p:cNvPicPr>
+          <p:nvPr/>
+        </p:nvPicPr>
+        <p:blipFill>
+          <a:blip r:embed="rId3">
+            <a:extLst>
+              <a:ext uri="{28A0092B-C50C-407E-A947-70E740481C1C}">
+                <a14:useLocalDpi xmlns:a14="http://schemas.microsoft.com/office/drawing/2010/main" val="0"/>
+              </a:ext>
+            </a:extLst>
+          </a:blip>
+          <a:stretch>
+            <a:fillRect/>
+          </a:stretch>
+        </p:blipFill>
+        <p:spPr>
+          <a:xfrm>
+            <a:off x="5242310" y="1516829"/>
+            <a:ext cx="3718810" cy="2054710"/>
+          </a:xfrm>
+          <a:prstGeom prst="rect">
+            <a:avLst/>
+          </a:prstGeom>
+        </p:spPr>
+      </p:pic>
     </p:spTree>
   </p:cSld>
   <p:clrMapOvr>
     <a:masterClrMapping/>
   </p:clrMapOvr>
+  <p:timing>
+    <p:tnLst>
+      <p:par>
+        <p:cTn id="1" dur="indefinite" restart="never" nodeType="tmRoot"/>
+      </p:par>
+    </p:tnLst>
+  </p:timing>
 </p:sld>
 </file>
 
@@ -31189,10 +31339,9 @@
           <a:p>
             <a:pPr algn="ctr"/>
             <a:r>
-              <a:rPr lang="en-US" sz="2400" dirty="0" smtClean="0"/>
+              <a:rPr lang="en-US" sz="2400" dirty="0"/>
               <a:t>ADVANTAGES OF OUR SOLUTION</a:t>
             </a:r>
-            <a:endParaRPr lang="en-US" sz="2400" dirty="0"/>
           </a:p>
         </p:txBody>
       </p:sp>
@@ -31204,8 +31353,8 @@
         </p:nvSpPr>
         <p:spPr>
           <a:xfrm>
-            <a:off x="720000" y="1242425"/>
-            <a:ext cx="7704000" cy="3326700"/>
+            <a:off x="284571" y="1612540"/>
+            <a:ext cx="3852000" cy="3326700"/>
           </a:xfrm>
           <a:prstGeom prst="rect">
             <a:avLst/>
@@ -31475,7 +31624,7 @@
               <a:buAutoNum type="arabicPeriod"/>
             </a:pPr>
             <a:r>
-              <a:rPr lang="en-US" dirty="0" smtClean="0"/>
+              <a:rPr lang="en-US" sz="1200" dirty="0"/>
               <a:t>The closed loop AN design by the team will be able to import, export, store and optimize knowledge independently at high speed and low latency with no human intervention</a:t>
             </a:r>
           </a:p>
@@ -31488,25 +31637,54 @@
               <a:buAutoNum type="arabicPeriod"/>
             </a:pPr>
             <a:r>
-              <a:rPr lang="en-US" dirty="0" smtClean="0"/>
-              <a:t>Our solution automates the </a:t>
-            </a:r>
-            <a:r>
-              <a:rPr lang="en-US" dirty="0"/>
-              <a:t>process of translating, parsing and validating an abstracted use case </a:t>
-            </a:r>
-            <a:r>
-              <a:rPr lang="en-US" dirty="0" smtClean="0"/>
-              <a:t>description.</a:t>
+              <a:rPr lang="en-US" sz="1200" dirty="0"/>
+              <a:t>Our solution automates the process of translating, parsing and validating an abstracted use case description.</a:t>
             </a:r>
           </a:p>
         </p:txBody>
       </p:sp>
+      <p:pic>
+        <p:nvPicPr>
+          <p:cNvPr id="3" name="Picture 2"/>
+          <p:cNvPicPr>
+            <a:picLocks noChangeAspect="1"/>
+          </p:cNvPicPr>
+          <p:nvPr/>
+        </p:nvPicPr>
+        <p:blipFill>
+          <a:blip r:embed="rId3">
+            <a:extLst>
+              <a:ext uri="{28A0092B-C50C-407E-A947-70E740481C1C}">
+                <a14:useLocalDpi xmlns:a14="http://schemas.microsoft.com/office/drawing/2010/main" val="0"/>
+              </a:ext>
+            </a:extLst>
+          </a:blip>
+          <a:stretch>
+            <a:fillRect/>
+          </a:stretch>
+        </p:blipFill>
+        <p:spPr>
+          <a:xfrm>
+            <a:off x="5759848" y="1109786"/>
+            <a:ext cx="1643210" cy="3829454"/>
+          </a:xfrm>
+          <a:prstGeom prst="rect">
+            <a:avLst/>
+          </a:prstGeom>
+        </p:spPr>
+      </p:pic>
     </p:spTree>
   </p:cSld>
   <p:clrMapOvr>
     <a:masterClrMapping/>
   </p:clrMapOvr>
+  <p:timing>
+    <p:tnLst>
+      <p:par>
+        <p:cTn id="1" dur="indefinite" restart="never" nodeType="tmRoot"/>
+      </p:par>
+    </p:tnLst>
+  </p:timing>
 </p:sld>
 </file>
 
@@ -31800,8 +31978,20 @@
           <a:p>
             <a:pPr algn="ctr"/>
             <a:r>
+              <a:rPr lang="en-US" sz="2400" dirty="0" smtClean="0"/>
+              <a:t>GAPS </a:t>
+            </a:r>
+            <a:r>
               <a:rPr lang="en-US" sz="2400" dirty="0"/>
-              <a:t>RECOMMENDATION FOR FUTURE WORKS</a:t>
+              <a:t>FOR </a:t>
+            </a:r>
+            <a:r>
+              <a:rPr lang="en-US" sz="2400" dirty="0" smtClean="0"/>
+              <a:t>CURRENT </a:t>
+            </a:r>
+            <a:r>
+              <a:rPr lang="en-US" sz="2400" dirty="0"/>
+              <a:t>WORK</a:t>
             </a:r>
           </a:p>
         </p:txBody>
@@ -32084,15 +32274,7 @@
             </a:pPr>
             <a:r>
               <a:rPr lang="en-US" dirty="0"/>
-              <a:t>Possibility on how intents can be </a:t>
-            </a:r>
-            <a:r>
-              <a:rPr lang="en-US" dirty="0" smtClean="0"/>
-              <a:t>translated from natural </a:t>
-            </a:r>
-            <a:r>
-              <a:rPr lang="en-US" dirty="0"/>
-              <a:t>human language into network configuration</a:t>
+              <a:t>intents may be specified in natural human language into network configuration</a:t>
             </a:r>
           </a:p>
         </p:txBody>
@@ -32102,6 +32284,13 @@
   <p:clrMapOvr>
     <a:masterClrMapping/>
   </p:clrMapOvr>
+  <p:timing>
+    <p:tnLst>
+      <p:par>
+        <p:cTn id="1" dur="indefinite" restart="never" nodeType="tmRoot"/>
+      </p:par>
+    </p:tnLst>
+  </p:timing>
 </p:sld>
 </file>
 
@@ -33121,10 +33310,9 @@
           <a:lstStyle/>
           <a:p>
             <a:r>
-              <a:rPr lang="en-US" sz="4500" b="1" spc="300" dirty="0" smtClean="0"/>
+              <a:rPr lang="en-US" sz="4500" b="1" spc="300" dirty="0"/>
               <a:t>VIDEO DEMO</a:t>
             </a:r>
-            <a:endParaRPr lang="en-US" sz="4500" b="1" spc="300" dirty="0"/>
           </a:p>
         </p:txBody>
       </p:sp>
@@ -33433,14 +33621,13 @@
           <a:p>
             <a:pPr algn="ctr"/>
             <a:r>
-              <a:rPr lang="en-US" sz="2400" dirty="0" err="1" smtClean="0"/>
+              <a:rPr lang="en-US" sz="2400" dirty="0" err="1"/>
               <a:t>PoC</a:t>
             </a:r>
             <a:r>
-              <a:rPr lang="en-US" sz="2400" dirty="0" smtClean="0"/>
+              <a:rPr lang="en-US" sz="2400" dirty="0"/>
               <a:t> Results</a:t>
             </a:r>
-            <a:endParaRPr lang="en-US" sz="2400" dirty="0"/>
           </a:p>
         </p:txBody>
       </p:sp>
@@ -33721,11 +33908,11 @@
               </a:lnSpc>
             </a:pPr>
             <a:r>
-              <a:rPr lang="en-US" dirty="0" err="1" smtClean="0"/>
+              <a:rPr lang="en-US" dirty="0" err="1"/>
               <a:t>Usecase</a:t>
             </a:r>
             <a:r>
-              <a:rPr lang="en-US" dirty="0" smtClean="0"/>
+              <a:rPr lang="en-US" dirty="0"/>
               <a:t> Template</a:t>
             </a:r>
           </a:p>
@@ -34032,7 +34219,7 @@
               </a:lnSpc>
             </a:pPr>
             <a:r>
-              <a:rPr lang="en-US" dirty="0" smtClean="0"/>
+              <a:rPr lang="en-US" dirty="0"/>
               <a:t>Neo4j DB Graph</a:t>
             </a:r>
           </a:p>

--- a/FGAN-I-298-R1.pptx
+++ b/FGAN-I-298-R1.pptx
@@ -25969,7 +25969,7 @@
           <p:cNvPr id="2" name="TextBox 1">
             <a:extLst>
               <a:ext uri="{FF2B5EF4-FFF2-40B4-BE49-F238E27FC236}">
-                <a16:creationId xmlns="" xmlns:a16="http://schemas.microsoft.com/office/drawing/2014/main" id="{C8E6AB42-2F9E-32FF-B0A5-2148098D518C}"/>
+                <a16:creationId xmlns:a16="http://schemas.microsoft.com/office/drawing/2014/main" xmlns="" id="{C8E6AB42-2F9E-32FF-B0A5-2148098D518C}"/>
               </a:ext>
             </a:extLst>
           </p:cNvPr>
@@ -26176,15 +26176,7 @@
                   <a:schemeClr val="tx1"/>
                 </a:solidFill>
               </a:rPr>
-              <a:t>Professor </a:t>
-            </a:r>
-            <a:r>
-              <a:rPr lang="en-US" dirty="0">
-                <a:solidFill>
-                  <a:schemeClr val="tx1"/>
-                </a:solidFill>
-              </a:rPr>
-              <a:t>James </a:t>
+              <a:t>Professor James </a:t>
             </a:r>
             <a:r>
               <a:rPr lang="en-US" dirty="0" err="1" smtClean="0">
@@ -33311,8 +33303,294 @@
           <a:p>
             <a:r>
               <a:rPr lang="en-US" sz="4500" b="1" spc="300" dirty="0"/>
-              <a:t>VIDEO DEMO</a:t>
+              <a:t>VIDEO </a:t>
             </a:r>
+            <a:r>
+              <a:rPr lang="en-US" sz="4500" b="1" spc="300" dirty="0" smtClean="0"/>
+              <a:t>DEMO</a:t>
+            </a:r>
+            <a:endParaRPr lang="en-US" sz="1800" b="1" spc="300" dirty="0"/>
+          </a:p>
+        </p:txBody>
+      </p:sp>
+      <p:sp>
+        <p:nvSpPr>
+          <p:cNvPr id="19" name="Title 2"/>
+          <p:cNvSpPr txBox="1">
+            <a:spLocks/>
+          </p:cNvSpPr>
+          <p:nvPr/>
+        </p:nvSpPr>
+        <p:spPr>
+          <a:xfrm>
+            <a:off x="321547" y="4569775"/>
+            <a:ext cx="8481227" cy="573725"/>
+          </a:xfrm>
+          <a:prstGeom prst="rect">
+            <a:avLst/>
+          </a:prstGeom>
+          <a:noFill/>
+          <a:ln>
+            <a:noFill/>
+          </a:ln>
+        </p:spPr>
+        <p:txBody>
+          <a:bodyPr spcFirstLastPara="1" wrap="square" lIns="0" tIns="0" rIns="0" bIns="0" anchor="ctr" anchorCtr="0">
+            <a:noAutofit/>
+          </a:bodyPr>
+          <a:lstStyle>
+            <a:defPPr marR="0" lvl="0" algn="l" rtl="0">
+              <a:lnSpc>
+                <a:spcPct val="100000"/>
+              </a:lnSpc>
+              <a:spcBef>
+                <a:spcPts val="0"/>
+              </a:spcBef>
+              <a:spcAft>
+                <a:spcPts val="0"/>
+              </a:spcAft>
+            </a:defPPr>
+            <a:lvl1pPr marR="0" lvl="0" algn="ctr" rtl="0">
+              <a:lnSpc>
+                <a:spcPct val="100000"/>
+              </a:lnSpc>
+              <a:spcBef>
+                <a:spcPts val="0"/>
+              </a:spcBef>
+              <a:spcAft>
+                <a:spcPts val="0"/>
+              </a:spcAft>
+              <a:buClr>
+                <a:schemeClr val="dk2"/>
+              </a:buClr>
+              <a:buSzPts val="5200"/>
+              <a:buFont typeface="Bebas Neue"/>
+              <a:buNone/>
+              <a:defRPr sz="6100" b="0" i="0" u="none" strike="noStrike" cap="none">
+                <a:solidFill>
+                  <a:srgbClr val="FFFFFF"/>
+                </a:solidFill>
+                <a:latin typeface="Bebas Neue"/>
+                <a:ea typeface="Bebas Neue"/>
+                <a:cs typeface="Bebas Neue"/>
+                <a:sym typeface="Bebas Neue"/>
+              </a:defRPr>
+            </a:lvl1pPr>
+            <a:lvl2pPr marR="0" lvl="1" algn="ctr" rtl="0">
+              <a:lnSpc>
+                <a:spcPct val="100000"/>
+              </a:lnSpc>
+              <a:spcBef>
+                <a:spcPts val="0"/>
+              </a:spcBef>
+              <a:spcAft>
+                <a:spcPts val="0"/>
+              </a:spcAft>
+              <a:buClr>
+                <a:schemeClr val="dk2"/>
+              </a:buClr>
+              <a:buSzPts val="5200"/>
+              <a:buFont typeface="Arial"/>
+              <a:buNone/>
+              <a:defRPr sz="5200" b="0" i="0" u="none" strike="noStrike" cap="none">
+                <a:solidFill>
+                  <a:schemeClr val="dk2"/>
+                </a:solidFill>
+                <a:latin typeface="Arial"/>
+                <a:ea typeface="Arial"/>
+                <a:cs typeface="Arial"/>
+                <a:sym typeface="Arial"/>
+              </a:defRPr>
+            </a:lvl2pPr>
+            <a:lvl3pPr marR="0" lvl="2" algn="ctr" rtl="0">
+              <a:lnSpc>
+                <a:spcPct val="100000"/>
+              </a:lnSpc>
+              <a:spcBef>
+                <a:spcPts val="0"/>
+              </a:spcBef>
+              <a:spcAft>
+                <a:spcPts val="0"/>
+              </a:spcAft>
+              <a:buClr>
+                <a:schemeClr val="dk2"/>
+              </a:buClr>
+              <a:buSzPts val="5200"/>
+              <a:buFont typeface="Arial"/>
+              <a:buNone/>
+              <a:defRPr sz="5200" b="0" i="0" u="none" strike="noStrike" cap="none">
+                <a:solidFill>
+                  <a:schemeClr val="dk2"/>
+                </a:solidFill>
+                <a:latin typeface="Arial"/>
+                <a:ea typeface="Arial"/>
+                <a:cs typeface="Arial"/>
+                <a:sym typeface="Arial"/>
+              </a:defRPr>
+            </a:lvl3pPr>
+            <a:lvl4pPr marR="0" lvl="3" algn="ctr" rtl="0">
+              <a:lnSpc>
+                <a:spcPct val="100000"/>
+              </a:lnSpc>
+              <a:spcBef>
+                <a:spcPts val="0"/>
+              </a:spcBef>
+              <a:spcAft>
+                <a:spcPts val="0"/>
+              </a:spcAft>
+              <a:buClr>
+                <a:schemeClr val="dk2"/>
+              </a:buClr>
+              <a:buSzPts val="5200"/>
+              <a:buFont typeface="Arial"/>
+              <a:buNone/>
+              <a:defRPr sz="5200" b="0" i="0" u="none" strike="noStrike" cap="none">
+                <a:solidFill>
+                  <a:schemeClr val="dk2"/>
+                </a:solidFill>
+                <a:latin typeface="Arial"/>
+                <a:ea typeface="Arial"/>
+                <a:cs typeface="Arial"/>
+                <a:sym typeface="Arial"/>
+              </a:defRPr>
+            </a:lvl4pPr>
+            <a:lvl5pPr marR="0" lvl="4" algn="ctr" rtl="0">
+              <a:lnSpc>
+                <a:spcPct val="100000"/>
+              </a:lnSpc>
+              <a:spcBef>
+                <a:spcPts val="0"/>
+              </a:spcBef>
+              <a:spcAft>
+                <a:spcPts val="0"/>
+              </a:spcAft>
+              <a:buClr>
+                <a:schemeClr val="dk2"/>
+              </a:buClr>
+              <a:buSzPts val="5200"/>
+              <a:buFont typeface="Arial"/>
+              <a:buNone/>
+              <a:defRPr sz="5200" b="0" i="0" u="none" strike="noStrike" cap="none">
+                <a:solidFill>
+                  <a:schemeClr val="dk2"/>
+                </a:solidFill>
+                <a:latin typeface="Arial"/>
+                <a:ea typeface="Arial"/>
+                <a:cs typeface="Arial"/>
+                <a:sym typeface="Arial"/>
+              </a:defRPr>
+            </a:lvl5pPr>
+            <a:lvl6pPr marR="0" lvl="5" algn="ctr" rtl="0">
+              <a:lnSpc>
+                <a:spcPct val="100000"/>
+              </a:lnSpc>
+              <a:spcBef>
+                <a:spcPts val="0"/>
+              </a:spcBef>
+              <a:spcAft>
+                <a:spcPts val="0"/>
+              </a:spcAft>
+              <a:buClr>
+                <a:schemeClr val="dk2"/>
+              </a:buClr>
+              <a:buSzPts val="5200"/>
+              <a:buFont typeface="Arial"/>
+              <a:buNone/>
+              <a:defRPr sz="5200" b="0" i="0" u="none" strike="noStrike" cap="none">
+                <a:solidFill>
+                  <a:schemeClr val="dk2"/>
+                </a:solidFill>
+                <a:latin typeface="Arial"/>
+                <a:ea typeface="Arial"/>
+                <a:cs typeface="Arial"/>
+                <a:sym typeface="Arial"/>
+              </a:defRPr>
+            </a:lvl6pPr>
+            <a:lvl7pPr marR="0" lvl="6" algn="ctr" rtl="0">
+              <a:lnSpc>
+                <a:spcPct val="100000"/>
+              </a:lnSpc>
+              <a:spcBef>
+                <a:spcPts val="0"/>
+              </a:spcBef>
+              <a:spcAft>
+                <a:spcPts val="0"/>
+              </a:spcAft>
+              <a:buClr>
+                <a:schemeClr val="dk2"/>
+              </a:buClr>
+              <a:buSzPts val="5200"/>
+              <a:buFont typeface="Arial"/>
+              <a:buNone/>
+              <a:defRPr sz="5200" b="0" i="0" u="none" strike="noStrike" cap="none">
+                <a:solidFill>
+                  <a:schemeClr val="dk2"/>
+                </a:solidFill>
+                <a:latin typeface="Arial"/>
+                <a:ea typeface="Arial"/>
+                <a:cs typeface="Arial"/>
+                <a:sym typeface="Arial"/>
+              </a:defRPr>
+            </a:lvl7pPr>
+            <a:lvl8pPr marR="0" lvl="7" algn="ctr" rtl="0">
+              <a:lnSpc>
+                <a:spcPct val="100000"/>
+              </a:lnSpc>
+              <a:spcBef>
+                <a:spcPts val="0"/>
+              </a:spcBef>
+              <a:spcAft>
+                <a:spcPts val="0"/>
+              </a:spcAft>
+              <a:buClr>
+                <a:schemeClr val="dk2"/>
+              </a:buClr>
+              <a:buSzPts val="5200"/>
+              <a:buFont typeface="Arial"/>
+              <a:buNone/>
+              <a:defRPr sz="5200" b="0" i="0" u="none" strike="noStrike" cap="none">
+                <a:solidFill>
+                  <a:schemeClr val="dk2"/>
+                </a:solidFill>
+                <a:latin typeface="Arial"/>
+                <a:ea typeface="Arial"/>
+                <a:cs typeface="Arial"/>
+                <a:sym typeface="Arial"/>
+              </a:defRPr>
+            </a:lvl8pPr>
+            <a:lvl9pPr marR="0" lvl="8" algn="ctr" rtl="0">
+              <a:lnSpc>
+                <a:spcPct val="100000"/>
+              </a:lnSpc>
+              <a:spcBef>
+                <a:spcPts val="0"/>
+              </a:spcBef>
+              <a:spcAft>
+                <a:spcPts val="0"/>
+              </a:spcAft>
+              <a:buClr>
+                <a:schemeClr val="dk2"/>
+              </a:buClr>
+              <a:buSzPts val="5200"/>
+              <a:buFont typeface="Arial"/>
+              <a:buNone/>
+              <a:defRPr sz="5200" b="0" i="0" u="none" strike="noStrike" cap="none">
+                <a:solidFill>
+                  <a:schemeClr val="dk2"/>
+                </a:solidFill>
+                <a:latin typeface="Arial"/>
+                <a:ea typeface="Arial"/>
+                <a:cs typeface="Arial"/>
+                <a:sym typeface="Arial"/>
+              </a:defRPr>
+            </a:lvl9pPr>
+          </a:lstStyle>
+          <a:p>
+            <a:r>
+              <a:rPr lang="en-US" sz="1800" b="1" spc="300" dirty="0" smtClean="0"/>
+              <a:t>Video demo url: https://youtu.be/x3DUNSKg4yk</a:t>
+            </a:r>
+            <a:endParaRPr lang="en-US" sz="1800" b="1" spc="300" dirty="0"/>
           </a:p>
         </p:txBody>
       </p:sp>
